--- a/web/Leitura_e_Aprendizagem/Matemática/Aritmetica/Adicao/0003_ESTRUTURA.pptx
+++ b/web/Leitura_e_Aprendizagem/Matemática/Aritmetica/Adicao/0003_ESTRUTURA.pptx
@@ -5,18 +5,17 @@
     <p:sldMasterId id="2147483792" r:id="rId1"/>
   </p:sldMasterIdLst>
   <p:notesMasterIdLst>
-    <p:notesMasterId r:id="rId11"/>
+    <p:notesMasterId r:id="rId10"/>
   </p:notesMasterIdLst>
   <p:sldIdLst>
-    <p:sldId id="299" r:id="rId2"/>
-    <p:sldId id="290" r:id="rId3"/>
-    <p:sldId id="274" r:id="rId4"/>
-    <p:sldId id="293" r:id="rId5"/>
-    <p:sldId id="294" r:id="rId6"/>
-    <p:sldId id="295" r:id="rId7"/>
-    <p:sldId id="296" r:id="rId8"/>
-    <p:sldId id="297" r:id="rId9"/>
-    <p:sldId id="298" r:id="rId10"/>
+    <p:sldId id="290" r:id="rId2"/>
+    <p:sldId id="274" r:id="rId3"/>
+    <p:sldId id="293" r:id="rId4"/>
+    <p:sldId id="294" r:id="rId5"/>
+    <p:sldId id="295" r:id="rId6"/>
+    <p:sldId id="296" r:id="rId7"/>
+    <p:sldId id="297" r:id="rId8"/>
+    <p:sldId id="298" r:id="rId9"/>
   </p:sldIdLst>
   <p:sldSz cx="8959850" cy="5040313"/>
   <p:notesSz cx="6858000" cy="9144000"/>
@@ -123,7 +122,6 @@
         </p14:section>
         <p14:section name="Seção sem Título" id="{9F0E8D2D-0646-4FFA-B968-EA068A8B201F}">
           <p14:sldIdLst>
-            <p14:sldId id="299"/>
             <p14:sldId id="290"/>
             <p14:sldId id="274"/>
             <p14:sldId id="293"/>
@@ -249,7 +247,7 @@
           <a:p>
             <a:fld id="{8E16BBD4-8911-4A0F-AA6A-6D6D8349903B}" type="datetimeFigureOut">
               <a:rPr lang="pt-BR" smtClean="0"/>
-              <a:t>22/03/2020</a:t>
+              <a:t>10/06/2020</a:t>
             </a:fld>
             <a:endParaRPr lang="pt-BR"/>
           </a:p>
@@ -599,7 +597,7 @@
     </p:spTree>
     <p:extLst>
       <p:ext uri="{BB962C8B-B14F-4D97-AF65-F5344CB8AC3E}">
-        <p14:creationId xmlns:p14="http://schemas.microsoft.com/office/powerpoint/2010/main" val="706757327"/>
+        <p14:creationId xmlns:p14="http://schemas.microsoft.com/office/powerpoint/2010/main" val="1834642852"/>
       </p:ext>
     </p:extLst>
   </p:cSld>
@@ -690,7 +688,7 @@
     </p:spTree>
     <p:extLst>
       <p:ext uri="{BB962C8B-B14F-4D97-AF65-F5344CB8AC3E}">
-        <p14:creationId xmlns:p14="http://schemas.microsoft.com/office/powerpoint/2010/main" val="1834642852"/>
+        <p14:creationId xmlns:p14="http://schemas.microsoft.com/office/powerpoint/2010/main" val="2650593823"/>
       </p:ext>
     </p:extLst>
   </p:cSld>
@@ -781,7 +779,7 @@
     </p:spTree>
     <p:extLst>
       <p:ext uri="{BB962C8B-B14F-4D97-AF65-F5344CB8AC3E}">
-        <p14:creationId xmlns:p14="http://schemas.microsoft.com/office/powerpoint/2010/main" val="2650593823"/>
+        <p14:creationId xmlns:p14="http://schemas.microsoft.com/office/powerpoint/2010/main" val="251289724"/>
       </p:ext>
     </p:extLst>
   </p:cSld>
@@ -872,7 +870,7 @@
     </p:spTree>
     <p:extLst>
       <p:ext uri="{BB962C8B-B14F-4D97-AF65-F5344CB8AC3E}">
-        <p14:creationId xmlns:p14="http://schemas.microsoft.com/office/powerpoint/2010/main" val="251289724"/>
+        <p14:creationId xmlns:p14="http://schemas.microsoft.com/office/powerpoint/2010/main" val="4038719583"/>
       </p:ext>
     </p:extLst>
   </p:cSld>
@@ -963,7 +961,7 @@
     </p:spTree>
     <p:extLst>
       <p:ext uri="{BB962C8B-B14F-4D97-AF65-F5344CB8AC3E}">
-        <p14:creationId xmlns:p14="http://schemas.microsoft.com/office/powerpoint/2010/main" val="4038719583"/>
+        <p14:creationId xmlns:p14="http://schemas.microsoft.com/office/powerpoint/2010/main" val="3641483174"/>
       </p:ext>
     </p:extLst>
   </p:cSld>
@@ -1054,7 +1052,7 @@
     </p:spTree>
     <p:extLst>
       <p:ext uri="{BB962C8B-B14F-4D97-AF65-F5344CB8AC3E}">
-        <p14:creationId xmlns:p14="http://schemas.microsoft.com/office/powerpoint/2010/main" val="3641483174"/>
+        <p14:creationId xmlns:p14="http://schemas.microsoft.com/office/powerpoint/2010/main" val="3671934849"/>
       </p:ext>
     </p:extLst>
   </p:cSld>
@@ -1145,7 +1143,7 @@
     </p:spTree>
     <p:extLst>
       <p:ext uri="{BB962C8B-B14F-4D97-AF65-F5344CB8AC3E}">
-        <p14:creationId xmlns:p14="http://schemas.microsoft.com/office/powerpoint/2010/main" val="3671934849"/>
+        <p14:creationId xmlns:p14="http://schemas.microsoft.com/office/powerpoint/2010/main" val="2854055970"/>
       </p:ext>
     </p:extLst>
   </p:cSld>
@@ -1228,97 +1226,6 @@
             <a:fld id="{AA3BDF02-B96A-49DA-B87B-E5BEC32AF444}" type="slidenum">
               <a:rPr lang="pt-BR" smtClean="0"/>
               <a:t>8</a:t>
-            </a:fld>
-            <a:endParaRPr lang="pt-BR"/>
-          </a:p>
-        </p:txBody>
-      </p:sp>
-    </p:spTree>
-    <p:extLst>
-      <p:ext uri="{BB962C8B-B14F-4D97-AF65-F5344CB8AC3E}">
-        <p14:creationId xmlns:p14="http://schemas.microsoft.com/office/powerpoint/2010/main" val="2854055970"/>
-      </p:ext>
-    </p:extLst>
-  </p:cSld>
-  <p:clrMapOvr>
-    <a:masterClrMapping/>
-  </p:clrMapOvr>
-</p:notes>
-</file>
-
-<file path=ppt/notesSlides/notesSlide9.xml><?xml version="1.0" encoding="utf-8"?>
-<p:notes xmlns:a="http://schemas.openxmlformats.org/drawingml/2006/main" xmlns:r="http://schemas.openxmlformats.org/officeDocument/2006/relationships" xmlns:p="http://schemas.openxmlformats.org/presentationml/2006/main">
-  <p:cSld>
-    <p:spTree>
-      <p:nvGrpSpPr>
-        <p:cNvPr id="1" name=""/>
-        <p:cNvGrpSpPr/>
-        <p:nvPr/>
-      </p:nvGrpSpPr>
-      <p:grpSpPr>
-        <a:xfrm>
-          <a:off x="0" y="0"/>
-          <a:ext cx="0" cy="0"/>
-          <a:chOff x="0" y="0"/>
-          <a:chExt cx="0" cy="0"/>
-        </a:xfrm>
-      </p:grpSpPr>
-      <p:sp>
-        <p:nvSpPr>
-          <p:cNvPr id="2" name="Espaço Reservado para Imagem de Slide 1"/>
-          <p:cNvSpPr>
-            <a:spLocks noGrp="1" noRot="1" noChangeAspect="1"/>
-          </p:cNvSpPr>
-          <p:nvPr>
-            <p:ph type="sldImg"/>
-          </p:nvPr>
-        </p:nvSpPr>
-        <p:spPr>
-          <a:xfrm>
-            <a:off x="382588" y="685800"/>
-            <a:ext cx="6092825" cy="3429000"/>
-          </a:xfrm>
-        </p:spPr>
-      </p:sp>
-      <p:sp>
-        <p:nvSpPr>
-          <p:cNvPr id="3" name="Espaço Reservado para Anotações 2"/>
-          <p:cNvSpPr>
-            <a:spLocks noGrp="1"/>
-          </p:cNvSpPr>
-          <p:nvPr>
-            <p:ph type="body" idx="1"/>
-          </p:nvPr>
-        </p:nvSpPr>
-        <p:spPr/>
-        <p:txBody>
-          <a:bodyPr>
-            <a:normAutofit/>
-          </a:bodyPr>
-          <a:lstStyle/>
-          <a:p>
-            <a:endParaRPr lang="pt-BR"/>
-          </a:p>
-        </p:txBody>
-      </p:sp>
-      <p:sp>
-        <p:nvSpPr>
-          <p:cNvPr id="4" name="Espaço Reservado para Número de Slide 3"/>
-          <p:cNvSpPr>
-            <a:spLocks noGrp="1"/>
-          </p:cNvSpPr>
-          <p:nvPr>
-            <p:ph type="sldNum" sz="quarter" idx="10"/>
-          </p:nvPr>
-        </p:nvSpPr>
-        <p:spPr/>
-        <p:txBody>
-          <a:bodyPr/>
-          <a:lstStyle/>
-          <a:p>
-            <a:fld id="{AA3BDF02-B96A-49DA-B87B-E5BEC32AF444}" type="slidenum">
-              <a:rPr lang="pt-BR" smtClean="0"/>
-              <a:t>9</a:t>
             </a:fld>
             <a:endParaRPr lang="pt-BR"/>
           </a:p>
@@ -1469,7 +1376,7 @@
             <a:fld id="{F8BDB6AA-63F8-4F31-8EA3-CB6FE8D9515C}" type="datetimeFigureOut">
               <a:rPr lang="pt-BR" smtClean="0"/>
               <a:pPr/>
-              <a:t>22/03/2020</a:t>
+              <a:t>10/06/2020</a:t>
             </a:fld>
             <a:endParaRPr lang="pt-BR"/>
           </a:p>
@@ -1641,7 +1548,7 @@
             <a:fld id="{F8BDB6AA-63F8-4F31-8EA3-CB6FE8D9515C}" type="datetimeFigureOut">
               <a:rPr lang="pt-BR" smtClean="0"/>
               <a:pPr/>
-              <a:t>22/03/2020</a:t>
+              <a:t>10/06/2020</a:t>
             </a:fld>
             <a:endParaRPr lang="pt-BR"/>
           </a:p>
@@ -1823,7 +1730,7 @@
             <a:fld id="{F8BDB6AA-63F8-4F31-8EA3-CB6FE8D9515C}" type="datetimeFigureOut">
               <a:rPr lang="pt-BR" smtClean="0"/>
               <a:pPr/>
-              <a:t>22/03/2020</a:t>
+              <a:t>10/06/2020</a:t>
             </a:fld>
             <a:endParaRPr lang="pt-BR"/>
           </a:p>
@@ -1995,7 +1902,7 @@
             <a:fld id="{F8BDB6AA-63F8-4F31-8EA3-CB6FE8D9515C}" type="datetimeFigureOut">
               <a:rPr lang="pt-BR" smtClean="0"/>
               <a:pPr/>
-              <a:t>22/03/2020</a:t>
+              <a:t>10/06/2020</a:t>
             </a:fld>
             <a:endParaRPr lang="pt-BR"/>
           </a:p>
@@ -2243,7 +2150,7 @@
             <a:fld id="{F8BDB6AA-63F8-4F31-8EA3-CB6FE8D9515C}" type="datetimeFigureOut">
               <a:rPr lang="pt-BR" smtClean="0"/>
               <a:pPr/>
-              <a:t>22/03/2020</a:t>
+              <a:t>10/06/2020</a:t>
             </a:fld>
             <a:endParaRPr lang="pt-BR"/>
           </a:p>
@@ -2477,7 +2384,7 @@
             <a:fld id="{F8BDB6AA-63F8-4F31-8EA3-CB6FE8D9515C}" type="datetimeFigureOut">
               <a:rPr lang="pt-BR" smtClean="0"/>
               <a:pPr/>
-              <a:t>22/03/2020</a:t>
+              <a:t>10/06/2020</a:t>
             </a:fld>
             <a:endParaRPr lang="pt-BR"/>
           </a:p>
@@ -2846,7 +2753,7 @@
             <a:fld id="{F8BDB6AA-63F8-4F31-8EA3-CB6FE8D9515C}" type="datetimeFigureOut">
               <a:rPr lang="pt-BR" smtClean="0"/>
               <a:pPr/>
-              <a:t>22/03/2020</a:t>
+              <a:t>10/06/2020</a:t>
             </a:fld>
             <a:endParaRPr lang="pt-BR"/>
           </a:p>
@@ -2966,7 +2873,7 @@
             <a:fld id="{F8BDB6AA-63F8-4F31-8EA3-CB6FE8D9515C}" type="datetimeFigureOut">
               <a:rPr lang="pt-BR" smtClean="0"/>
               <a:pPr/>
-              <a:t>22/03/2020</a:t>
+              <a:t>10/06/2020</a:t>
             </a:fld>
             <a:endParaRPr lang="pt-BR"/>
           </a:p>
@@ -3063,7 +2970,7 @@
             <a:fld id="{F8BDB6AA-63F8-4F31-8EA3-CB6FE8D9515C}" type="datetimeFigureOut">
               <a:rPr lang="pt-BR" smtClean="0"/>
               <a:pPr/>
-              <a:t>22/03/2020</a:t>
+              <a:t>10/06/2020</a:t>
             </a:fld>
             <a:endParaRPr lang="pt-BR"/>
           </a:p>
@@ -3342,7 +3249,7 @@
             <a:fld id="{F8BDB6AA-63F8-4F31-8EA3-CB6FE8D9515C}" type="datetimeFigureOut">
               <a:rPr lang="pt-BR" smtClean="0"/>
               <a:pPr/>
-              <a:t>22/03/2020</a:t>
+              <a:t>10/06/2020</a:t>
             </a:fld>
             <a:endParaRPr lang="pt-BR"/>
           </a:p>
@@ -3601,7 +3508,7 @@
             <a:fld id="{F8BDB6AA-63F8-4F31-8EA3-CB6FE8D9515C}" type="datetimeFigureOut">
               <a:rPr lang="pt-BR" smtClean="0"/>
               <a:pPr/>
-              <a:t>22/03/2020</a:t>
+              <a:t>10/06/2020</a:t>
             </a:fld>
             <a:endParaRPr lang="pt-BR"/>
           </a:p>
@@ -3825,7 +3732,7 @@
             <a:fld id="{F8BDB6AA-63F8-4F31-8EA3-CB6FE8D9515C}" type="datetimeFigureOut">
               <a:rPr lang="pt-BR" smtClean="0"/>
               <a:pPr/>
-              <a:t>22/03/2020</a:t>
+              <a:t>10/06/2020</a:t>
             </a:fld>
             <a:endParaRPr lang="pt-BR"/>
           </a:p>
@@ -4287,166 +4194,6 @@
         <p:spPr>
           <a:xfrm>
             <a:off x="317500" y="229861"/>
-            <a:ext cx="8369299" cy="4544552"/>
-          </a:xfrm>
-          <a:prstGeom prst="rect">
-            <a:avLst/>
-          </a:prstGeom>
-        </p:spPr>
-      </p:pic>
-      <p:sp>
-        <p:nvSpPr>
-          <p:cNvPr id="14" name="Rectangle 13">
-            <a:extLst>
-              <a:ext uri="{FF2B5EF4-FFF2-40B4-BE49-F238E27FC236}">
-                <a16:creationId xmlns="" xmlns:a16="http://schemas.microsoft.com/office/drawing/2014/main" id="{52670CB7-6F96-4BDF-AF66-75B2EA21419B}"/>
-              </a:ext>
-            </a:extLst>
-          </p:cNvPr>
-          <p:cNvSpPr/>
-          <p:nvPr/>
-        </p:nvSpPr>
-        <p:spPr>
-          <a:xfrm>
-            <a:off x="4214891" y="2835421"/>
-            <a:ext cx="4283544" cy="1938992"/>
-          </a:xfrm>
-          <a:prstGeom prst="rect">
-            <a:avLst/>
-          </a:prstGeom>
-          <a:noFill/>
-        </p:spPr>
-        <p:txBody>
-          <a:bodyPr wrap="none" lIns="91440" tIns="45720" rIns="91440" bIns="45720">
-            <a:spAutoFit/>
-          </a:bodyPr>
-          <a:lstStyle/>
-          <a:p>
-            <a:pPr algn="ctr"/>
-            <a:r>
-              <a:rPr lang="en-US" sz="12000" b="1" dirty="0" smtClean="0">
-                <a:ln w="12700">
-                  <a:solidFill>
-                    <a:schemeClr val="accent1"/>
-                  </a:solidFill>
-                  <a:prstDash val="solid"/>
-                </a:ln>
-                <a:solidFill>
-                  <a:srgbClr val="FFFF00"/>
-                </a:solidFill>
-                <a:effectLst>
-                  <a:outerShdw dist="38100" dir="2640000" algn="bl" rotWithShape="0">
-                    <a:schemeClr val="accent1"/>
-                  </a:outerShdw>
-                </a:effectLst>
-              </a:rPr>
-              <a:t>INÍCIO</a:t>
-            </a:r>
-            <a:endParaRPr lang="en-US" sz="12000" b="1" cap="none" spc="0" dirty="0">
-              <a:ln w="12700">
-                <a:solidFill>
-                  <a:schemeClr val="accent1"/>
-                </a:solidFill>
-                <a:prstDash val="solid"/>
-              </a:ln>
-              <a:solidFill>
-                <a:srgbClr val="FFFF00"/>
-              </a:solidFill>
-              <a:effectLst>
-                <a:outerShdw dist="38100" dir="2640000" algn="bl" rotWithShape="0">
-                  <a:schemeClr val="accent1"/>
-                </a:outerShdw>
-              </a:effectLst>
-            </a:endParaRPr>
-          </a:p>
-        </p:txBody>
-      </p:sp>
-    </p:spTree>
-    <p:extLst>
-      <p:ext uri="{BB962C8B-B14F-4D97-AF65-F5344CB8AC3E}">
-        <p14:creationId xmlns:p14="http://schemas.microsoft.com/office/powerpoint/2010/main" val="3972138336"/>
-      </p:ext>
-    </p:extLst>
-  </p:cSld>
-  <p:clrMapOvr>
-    <a:masterClrMapping/>
-  </p:clrMapOvr>
-  <p:transition spd="slow">
-    <p:wipe/>
-  </p:transition>
-</p:sld>
-</file>
-
-<file path=ppt/slides/slide2.xml><?xml version="1.0" encoding="utf-8"?>
-<p:sld xmlns:a="http://schemas.openxmlformats.org/drawingml/2006/main" xmlns:r="http://schemas.openxmlformats.org/officeDocument/2006/relationships" xmlns:p="http://schemas.openxmlformats.org/presentationml/2006/main">
-  <p:cSld>
-    <p:spTree>
-      <p:nvGrpSpPr>
-        <p:cNvPr id="1" name=""/>
-        <p:cNvGrpSpPr/>
-        <p:nvPr/>
-      </p:nvGrpSpPr>
-      <p:grpSpPr>
-        <a:xfrm>
-          <a:off x="0" y="0"/>
-          <a:ext cx="0" cy="0"/>
-          <a:chOff x="0" y="0"/>
-          <a:chExt cx="0" cy="0"/>
-        </a:xfrm>
-      </p:grpSpPr>
-      <p:pic>
-        <p:nvPicPr>
-          <p:cNvPr id="2" name="Imagem 1"/>
-          <p:cNvPicPr>
-            <a:picLocks noChangeAspect="1"/>
-          </p:cNvPicPr>
-          <p:nvPr/>
-        </p:nvPicPr>
-        <p:blipFill>
-          <a:blip r:embed="rId3">
-            <a:extLst>
-              <a:ext uri="{28A0092B-C50C-407E-A947-70E740481C1C}">
-                <a14:useLocalDpi xmlns:a14="http://schemas.microsoft.com/office/drawing/2010/main" val="0"/>
-              </a:ext>
-            </a:extLst>
-          </a:blip>
-          <a:stretch>
-            <a:fillRect/>
-          </a:stretch>
-        </p:blipFill>
-        <p:spPr>
-          <a:xfrm>
-            <a:off x="317500" y="228600"/>
-            <a:ext cx="8369300" cy="4521201"/>
-          </a:xfrm>
-          <a:prstGeom prst="rect">
-            <a:avLst/>
-          </a:prstGeom>
-        </p:spPr>
-      </p:pic>
-      <p:pic>
-        <p:nvPicPr>
-          <p:cNvPr id="3" name="Imagem 2"/>
-          <p:cNvPicPr>
-            <a:picLocks noChangeAspect="1"/>
-          </p:cNvPicPr>
-          <p:nvPr/>
-        </p:nvPicPr>
-        <p:blipFill>
-          <a:blip r:embed="rId4">
-            <a:extLst>
-              <a:ext uri="{28A0092B-C50C-407E-A947-70E740481C1C}">
-                <a14:useLocalDpi xmlns:a14="http://schemas.microsoft.com/office/drawing/2010/main" val="0"/>
-              </a:ext>
-            </a:extLst>
-          </a:blip>
-          <a:stretch>
-            <a:fillRect/>
-          </a:stretch>
-        </p:blipFill>
-        <p:spPr>
-          <a:xfrm>
-            <a:off x="317500" y="229861"/>
             <a:ext cx="8369300" cy="4544552"/>
           </a:xfrm>
           <a:prstGeom prst="rect">
@@ -4459,7 +4206,7 @@
           <p:cNvPr id="14" name="Rectangle 13">
             <a:extLst>
               <a:ext uri="{FF2B5EF4-FFF2-40B4-BE49-F238E27FC236}">
-                <a16:creationId xmlns="" xmlns:a16="http://schemas.microsoft.com/office/drawing/2014/main" id="{52670CB7-6F96-4BDF-AF66-75B2EA21419B}"/>
+                <a16:creationId xmlns:a16="http://schemas.microsoft.com/office/drawing/2014/main" xmlns="" id="{52670CB7-6F96-4BDF-AF66-75B2EA21419B}"/>
               </a:ext>
             </a:extLst>
           </p:cNvPr>
@@ -4526,7 +4273,7 @@
           <p:cNvPr id="6" name="Rectangle 13">
             <a:extLst>
               <a:ext uri="{FF2B5EF4-FFF2-40B4-BE49-F238E27FC236}">
-                <a16:creationId xmlns="" xmlns:a16="http://schemas.microsoft.com/office/drawing/2014/main" id="{52670CB7-6F96-4BDF-AF66-75B2EA21419B}"/>
+                <a16:creationId xmlns:a16="http://schemas.microsoft.com/office/drawing/2014/main" xmlns="" id="{52670CB7-6F96-4BDF-AF66-75B2EA21419B}"/>
               </a:ext>
             </a:extLst>
           </p:cNvPr>
@@ -4594,7 +4341,7 @@
 </p:sld>
 </file>
 
-<file path=ppt/slides/slide3.xml><?xml version="1.0" encoding="utf-8"?>
+<file path=ppt/slides/slide2.xml><?xml version="1.0" encoding="utf-8"?>
 <p:sld xmlns:a="http://schemas.openxmlformats.org/drawingml/2006/main" xmlns:r="http://schemas.openxmlformats.org/officeDocument/2006/relationships" xmlns:p="http://schemas.openxmlformats.org/presentationml/2006/main">
   <p:cSld>
     <p:spTree>
@@ -4616,7 +4363,7 @@
           <p:cNvPr id="5" name="Rectangle 4">
             <a:extLst>
               <a:ext uri="{FF2B5EF4-FFF2-40B4-BE49-F238E27FC236}">
-                <a16:creationId xmlns="" xmlns:a16="http://schemas.microsoft.com/office/drawing/2014/main" id="{6B3D22E0-3304-47C3-A13D-F3314EEBFA56}"/>
+                <a16:creationId xmlns:a16="http://schemas.microsoft.com/office/drawing/2014/main" xmlns="" id="{6B3D22E0-3304-47C3-A13D-F3314EEBFA56}"/>
               </a:ext>
             </a:extLst>
           </p:cNvPr>
@@ -4684,7 +4431,7 @@
           <p:cNvPr id="8" name="Rectangle 7">
             <a:extLst>
               <a:ext uri="{FF2B5EF4-FFF2-40B4-BE49-F238E27FC236}">
-                <a16:creationId xmlns="" xmlns:a16="http://schemas.microsoft.com/office/drawing/2014/main" id="{9A0DF3A1-7C0C-4F2B-AC19-D85A14774D75}"/>
+                <a16:creationId xmlns:a16="http://schemas.microsoft.com/office/drawing/2014/main" xmlns="" id="{9A0DF3A1-7C0C-4F2B-AC19-D85A14774D75}"/>
               </a:ext>
             </a:extLst>
           </p:cNvPr>
@@ -4773,7 +4520,7 @@
           <p:cNvPr id="2" name="Rectangle 1">
             <a:extLst>
               <a:ext uri="{FF2B5EF4-FFF2-40B4-BE49-F238E27FC236}">
-                <a16:creationId xmlns="" xmlns:a16="http://schemas.microsoft.com/office/drawing/2014/main" id="{4F38584F-66B2-464F-9BA7-6F9A856D602F}"/>
+                <a16:creationId xmlns:a16="http://schemas.microsoft.com/office/drawing/2014/main" xmlns="" id="{4F38584F-66B2-464F-9BA7-6F9A856D602F}"/>
               </a:ext>
             </a:extLst>
           </p:cNvPr>
@@ -4979,7 +4726,7 @@
 </p:sld>
 </file>
 
-<file path=ppt/slides/slide4.xml><?xml version="1.0" encoding="utf-8"?>
+<file path=ppt/slides/slide3.xml><?xml version="1.0" encoding="utf-8"?>
 <p:sld xmlns:a="http://schemas.openxmlformats.org/drawingml/2006/main" xmlns:r="http://schemas.openxmlformats.org/officeDocument/2006/relationships" xmlns:p="http://schemas.openxmlformats.org/presentationml/2006/main">
   <p:cSld>
     <p:spTree>
@@ -5001,7 +4748,7 @@
           <p:cNvPr id="6" name="Table 9">
             <a:extLst>
               <a:ext uri="{FF2B5EF4-FFF2-40B4-BE49-F238E27FC236}">
-                <a16:creationId xmlns:a16="http://schemas.microsoft.com/office/drawing/2014/main" xmlns="" id="{A3C33157-FA5E-498D-B93C-73F8CAEE1A5D}"/>
+                <a16:creationId xmlns="" xmlns:a16="http://schemas.microsoft.com/office/drawing/2014/main" id="{A3C33157-FA5E-498D-B93C-73F8CAEE1A5D}"/>
               </a:ext>
             </a:extLst>
           </p:cNvPr>
@@ -5030,28 +4777,28 @@
                 <a:gridCol w="809065">
                   <a:extLst>
                     <a:ext uri="{9D8B030D-6E8A-4147-A177-3AD203B41FA5}">
-                      <a16:colId xmlns:a16="http://schemas.microsoft.com/office/drawing/2014/main" xmlns="" val="2514592082"/>
+                      <a16:colId xmlns="" xmlns:a16="http://schemas.microsoft.com/office/drawing/2014/main" val="2514592082"/>
                     </a:ext>
                   </a:extLst>
                 </a:gridCol>
                 <a:gridCol w="809065">
                   <a:extLst>
                     <a:ext uri="{9D8B030D-6E8A-4147-A177-3AD203B41FA5}">
-                      <a16:colId xmlns:a16="http://schemas.microsoft.com/office/drawing/2014/main" xmlns="" val="1972351707"/>
+                      <a16:colId xmlns="" xmlns:a16="http://schemas.microsoft.com/office/drawing/2014/main" val="1972351707"/>
                     </a:ext>
                   </a:extLst>
                 </a:gridCol>
                 <a:gridCol w="809065">
                   <a:extLst>
                     <a:ext uri="{9D8B030D-6E8A-4147-A177-3AD203B41FA5}">
-                      <a16:colId xmlns:a16="http://schemas.microsoft.com/office/drawing/2014/main" xmlns="" val="130078612"/>
+                      <a16:colId xmlns="" xmlns:a16="http://schemas.microsoft.com/office/drawing/2014/main" val="130078612"/>
                     </a:ext>
                   </a:extLst>
                 </a:gridCol>
                 <a:gridCol w="809065">
                   <a:extLst>
                     <a:ext uri="{9D8B030D-6E8A-4147-A177-3AD203B41FA5}">
-                      <a16:colId xmlns:a16="http://schemas.microsoft.com/office/drawing/2014/main" xmlns="" val="3594532491"/>
+                      <a16:colId xmlns="" xmlns:a16="http://schemas.microsoft.com/office/drawing/2014/main" val="3594532491"/>
                     </a:ext>
                   </a:extLst>
                 </a:gridCol>
@@ -5237,7 +4984,7 @@
                 </a:tc>
                 <a:extLst>
                   <a:ext uri="{0D108BD9-81ED-4DB2-BD59-A6C34878D82A}">
-                    <a16:rowId xmlns:a16="http://schemas.microsoft.com/office/drawing/2014/main" xmlns="" val="1648878484"/>
+                    <a16:rowId xmlns="" xmlns:a16="http://schemas.microsoft.com/office/drawing/2014/main" val="1648878484"/>
                   </a:ext>
                 </a:extLst>
               </a:tr>
@@ -5432,7 +5179,7 @@
                 </a:tc>
                 <a:extLst>
                   <a:ext uri="{0D108BD9-81ED-4DB2-BD59-A6C34878D82A}">
-                    <a16:rowId xmlns:a16="http://schemas.microsoft.com/office/drawing/2014/main" xmlns="" val="3110016024"/>
+                    <a16:rowId xmlns="" xmlns:a16="http://schemas.microsoft.com/office/drawing/2014/main" val="3110016024"/>
                   </a:ext>
                 </a:extLst>
               </a:tr>
@@ -5636,7 +5383,7 @@
                 </a:tc>
                 <a:extLst>
                   <a:ext uri="{0D108BD9-81ED-4DB2-BD59-A6C34878D82A}">
-                    <a16:rowId xmlns:a16="http://schemas.microsoft.com/office/drawing/2014/main" xmlns="" val="2530068117"/>
+                    <a16:rowId xmlns="" xmlns:a16="http://schemas.microsoft.com/office/drawing/2014/main" val="2530068117"/>
                   </a:ext>
                 </a:extLst>
               </a:tr>
@@ -5837,7 +5584,7 @@
                 </a:tc>
                 <a:extLst>
                   <a:ext uri="{0D108BD9-81ED-4DB2-BD59-A6C34878D82A}">
-                    <a16:rowId xmlns:a16="http://schemas.microsoft.com/office/drawing/2014/main" xmlns="" val="1712611614"/>
+                    <a16:rowId xmlns="" xmlns:a16="http://schemas.microsoft.com/office/drawing/2014/main" val="1712611614"/>
                   </a:ext>
                 </a:extLst>
               </a:tr>
@@ -5850,7 +5597,7 @@
           <p:cNvPr id="7" name="Rectangle 4">
             <a:extLst>
               <a:ext uri="{FF2B5EF4-FFF2-40B4-BE49-F238E27FC236}">
-                <a16:creationId xmlns="" xmlns:a16="http://schemas.microsoft.com/office/drawing/2014/main" id="{6B3D22E0-3304-47C3-A13D-F3314EEBFA56}"/>
+                <a16:creationId xmlns:a16="http://schemas.microsoft.com/office/drawing/2014/main" xmlns="" id="{6B3D22E0-3304-47C3-A13D-F3314EEBFA56}"/>
               </a:ext>
             </a:extLst>
           </p:cNvPr>
@@ -5934,7 +5681,7 @@
           <p:cNvPr id="9" name="Rectangle 7">
             <a:extLst>
               <a:ext uri="{FF2B5EF4-FFF2-40B4-BE49-F238E27FC236}">
-                <a16:creationId xmlns="" xmlns:a16="http://schemas.microsoft.com/office/drawing/2014/main" id="{9A0DF3A1-7C0C-4F2B-AC19-D85A14774D75}"/>
+                <a16:creationId xmlns:a16="http://schemas.microsoft.com/office/drawing/2014/main" xmlns="" id="{9A0DF3A1-7C0C-4F2B-AC19-D85A14774D75}"/>
               </a:ext>
             </a:extLst>
           </p:cNvPr>
@@ -6063,7 +5810,7 @@
           <p:cNvPr id="8" name="Rectangle 1">
             <a:extLst>
               <a:ext uri="{FF2B5EF4-FFF2-40B4-BE49-F238E27FC236}">
-                <a16:creationId xmlns="" xmlns:a16="http://schemas.microsoft.com/office/drawing/2014/main" id="{4F38584F-66B2-464F-9BA7-6F9A856D602F}"/>
+                <a16:creationId xmlns:a16="http://schemas.microsoft.com/office/drawing/2014/main" xmlns="" id="{4F38584F-66B2-464F-9BA7-6F9A856D602F}"/>
               </a:ext>
             </a:extLst>
           </p:cNvPr>
@@ -6243,7 +5990,7 @@
           <p:cNvPr id="14" name="Rectangle 1">
             <a:extLst>
               <a:ext uri="{FF2B5EF4-FFF2-40B4-BE49-F238E27FC236}">
-                <a16:creationId xmlns="" xmlns:a16="http://schemas.microsoft.com/office/drawing/2014/main" id="{4F38584F-66B2-464F-9BA7-6F9A856D602F}"/>
+                <a16:creationId xmlns:a16="http://schemas.microsoft.com/office/drawing/2014/main" xmlns="" id="{4F38584F-66B2-464F-9BA7-6F9A856D602F}"/>
               </a:ext>
             </a:extLst>
           </p:cNvPr>
@@ -6332,7 +6079,7 @@
           <p:cNvPr id="15" name="Rectangle 1">
             <a:extLst>
               <a:ext uri="{FF2B5EF4-FFF2-40B4-BE49-F238E27FC236}">
-                <a16:creationId xmlns="" xmlns:a16="http://schemas.microsoft.com/office/drawing/2014/main" id="{4F38584F-66B2-464F-9BA7-6F9A856D602F}"/>
+                <a16:creationId xmlns:a16="http://schemas.microsoft.com/office/drawing/2014/main" xmlns="" id="{4F38584F-66B2-464F-9BA7-6F9A856D602F}"/>
               </a:ext>
             </a:extLst>
           </p:cNvPr>
@@ -6421,7 +6168,7 @@
           <p:cNvPr id="16" name="Rectangle 1">
             <a:extLst>
               <a:ext uri="{FF2B5EF4-FFF2-40B4-BE49-F238E27FC236}">
-                <a16:creationId xmlns="" xmlns:a16="http://schemas.microsoft.com/office/drawing/2014/main" id="{4F38584F-66B2-464F-9BA7-6F9A856D602F}"/>
+                <a16:creationId xmlns:a16="http://schemas.microsoft.com/office/drawing/2014/main" xmlns="" id="{4F38584F-66B2-464F-9BA7-6F9A856D602F}"/>
               </a:ext>
             </a:extLst>
           </p:cNvPr>
@@ -6521,7 +6268,7 @@
 </p:sld>
 </file>
 
-<file path=ppt/slides/slide5.xml><?xml version="1.0" encoding="utf-8"?>
+<file path=ppt/slides/slide4.xml><?xml version="1.0" encoding="utf-8"?>
 <p:sld xmlns:a="http://schemas.openxmlformats.org/drawingml/2006/main" xmlns:r="http://schemas.openxmlformats.org/officeDocument/2006/relationships" xmlns:p="http://schemas.openxmlformats.org/presentationml/2006/main">
   <p:cSld>
     <p:spTree>
@@ -6543,7 +6290,7 @@
           <p:cNvPr id="6" name="Table 9">
             <a:extLst>
               <a:ext uri="{FF2B5EF4-FFF2-40B4-BE49-F238E27FC236}">
-                <a16:creationId xmlns:a16="http://schemas.microsoft.com/office/drawing/2014/main" xmlns="" id="{A3C33157-FA5E-498D-B93C-73F8CAEE1A5D}"/>
+                <a16:creationId xmlns="" xmlns:a16="http://schemas.microsoft.com/office/drawing/2014/main" id="{A3C33157-FA5E-498D-B93C-73F8CAEE1A5D}"/>
               </a:ext>
             </a:extLst>
           </p:cNvPr>
@@ -6572,28 +6319,28 @@
                 <a:gridCol w="809065">
                   <a:extLst>
                     <a:ext uri="{9D8B030D-6E8A-4147-A177-3AD203B41FA5}">
-                      <a16:colId xmlns:a16="http://schemas.microsoft.com/office/drawing/2014/main" xmlns="" val="2514592082"/>
+                      <a16:colId xmlns="" xmlns:a16="http://schemas.microsoft.com/office/drawing/2014/main" val="2514592082"/>
                     </a:ext>
                   </a:extLst>
                 </a:gridCol>
                 <a:gridCol w="809065">
                   <a:extLst>
                     <a:ext uri="{9D8B030D-6E8A-4147-A177-3AD203B41FA5}">
-                      <a16:colId xmlns:a16="http://schemas.microsoft.com/office/drawing/2014/main" xmlns="" val="1972351707"/>
+                      <a16:colId xmlns="" xmlns:a16="http://schemas.microsoft.com/office/drawing/2014/main" val="1972351707"/>
                     </a:ext>
                   </a:extLst>
                 </a:gridCol>
                 <a:gridCol w="809065">
                   <a:extLst>
                     <a:ext uri="{9D8B030D-6E8A-4147-A177-3AD203B41FA5}">
-                      <a16:colId xmlns:a16="http://schemas.microsoft.com/office/drawing/2014/main" xmlns="" val="130078612"/>
+                      <a16:colId xmlns="" xmlns:a16="http://schemas.microsoft.com/office/drawing/2014/main" val="130078612"/>
                     </a:ext>
                   </a:extLst>
                 </a:gridCol>
                 <a:gridCol w="809065">
                   <a:extLst>
                     <a:ext uri="{9D8B030D-6E8A-4147-A177-3AD203B41FA5}">
-                      <a16:colId xmlns:a16="http://schemas.microsoft.com/office/drawing/2014/main" xmlns="" val="3594532491"/>
+                      <a16:colId xmlns="" xmlns:a16="http://schemas.microsoft.com/office/drawing/2014/main" val="3594532491"/>
                     </a:ext>
                   </a:extLst>
                 </a:gridCol>
@@ -6779,7 +6526,7 @@
                 </a:tc>
                 <a:extLst>
                   <a:ext uri="{0D108BD9-81ED-4DB2-BD59-A6C34878D82A}">
-                    <a16:rowId xmlns:a16="http://schemas.microsoft.com/office/drawing/2014/main" xmlns="" val="1648878484"/>
+                    <a16:rowId xmlns="" xmlns:a16="http://schemas.microsoft.com/office/drawing/2014/main" val="1648878484"/>
                   </a:ext>
                 </a:extLst>
               </a:tr>
@@ -6982,7 +6729,7 @@
                 </a:tc>
                 <a:extLst>
                   <a:ext uri="{0D108BD9-81ED-4DB2-BD59-A6C34878D82A}">
-                    <a16:rowId xmlns:a16="http://schemas.microsoft.com/office/drawing/2014/main" xmlns="" val="3110016024"/>
+                    <a16:rowId xmlns="" xmlns:a16="http://schemas.microsoft.com/office/drawing/2014/main" val="3110016024"/>
                   </a:ext>
                 </a:extLst>
               </a:tr>
@@ -7191,7 +6938,7 @@
                 </a:tc>
                 <a:extLst>
                   <a:ext uri="{0D108BD9-81ED-4DB2-BD59-A6C34878D82A}">
-                    <a16:rowId xmlns:a16="http://schemas.microsoft.com/office/drawing/2014/main" xmlns="" val="2530068117"/>
+                    <a16:rowId xmlns="" xmlns:a16="http://schemas.microsoft.com/office/drawing/2014/main" val="2530068117"/>
                   </a:ext>
                 </a:extLst>
               </a:tr>
@@ -7402,7 +7149,7 @@
                 </a:tc>
                 <a:extLst>
                   <a:ext uri="{0D108BD9-81ED-4DB2-BD59-A6C34878D82A}">
-                    <a16:rowId xmlns:a16="http://schemas.microsoft.com/office/drawing/2014/main" xmlns="" val="1712611614"/>
+                    <a16:rowId xmlns="" xmlns:a16="http://schemas.microsoft.com/office/drawing/2014/main" val="1712611614"/>
                   </a:ext>
                 </a:extLst>
               </a:tr>
@@ -7415,7 +7162,7 @@
           <p:cNvPr id="7" name="Rectangle 4">
             <a:extLst>
               <a:ext uri="{FF2B5EF4-FFF2-40B4-BE49-F238E27FC236}">
-                <a16:creationId xmlns="" xmlns:a16="http://schemas.microsoft.com/office/drawing/2014/main" id="{6B3D22E0-3304-47C3-A13D-F3314EEBFA56}"/>
+                <a16:creationId xmlns:a16="http://schemas.microsoft.com/office/drawing/2014/main" xmlns="" id="{6B3D22E0-3304-47C3-A13D-F3314EEBFA56}"/>
               </a:ext>
             </a:extLst>
           </p:cNvPr>
@@ -7499,7 +7246,7 @@
           <p:cNvPr id="9" name="Rectangle 7">
             <a:extLst>
               <a:ext uri="{FF2B5EF4-FFF2-40B4-BE49-F238E27FC236}">
-                <a16:creationId xmlns="" xmlns:a16="http://schemas.microsoft.com/office/drawing/2014/main" id="{9A0DF3A1-7C0C-4F2B-AC19-D85A14774D75}"/>
+                <a16:creationId xmlns:a16="http://schemas.microsoft.com/office/drawing/2014/main" xmlns="" id="{9A0DF3A1-7C0C-4F2B-AC19-D85A14774D75}"/>
               </a:ext>
             </a:extLst>
           </p:cNvPr>
@@ -7628,7 +7375,7 @@
           <p:cNvPr id="8" name="Rectangle 1">
             <a:extLst>
               <a:ext uri="{FF2B5EF4-FFF2-40B4-BE49-F238E27FC236}">
-                <a16:creationId xmlns="" xmlns:a16="http://schemas.microsoft.com/office/drawing/2014/main" id="{4F38584F-66B2-464F-9BA7-6F9A856D602F}"/>
+                <a16:creationId xmlns:a16="http://schemas.microsoft.com/office/drawing/2014/main" xmlns="" id="{4F38584F-66B2-464F-9BA7-6F9A856D602F}"/>
               </a:ext>
             </a:extLst>
           </p:cNvPr>
@@ -7808,7 +7555,7 @@
           <p:cNvPr id="14" name="Rectangle 1">
             <a:extLst>
               <a:ext uri="{FF2B5EF4-FFF2-40B4-BE49-F238E27FC236}">
-                <a16:creationId xmlns="" xmlns:a16="http://schemas.microsoft.com/office/drawing/2014/main" id="{4F38584F-66B2-464F-9BA7-6F9A856D602F}"/>
+                <a16:creationId xmlns:a16="http://schemas.microsoft.com/office/drawing/2014/main" xmlns="" id="{4F38584F-66B2-464F-9BA7-6F9A856D602F}"/>
               </a:ext>
             </a:extLst>
           </p:cNvPr>
@@ -7897,7 +7644,7 @@
           <p:cNvPr id="15" name="Rectangle 1">
             <a:extLst>
               <a:ext uri="{FF2B5EF4-FFF2-40B4-BE49-F238E27FC236}">
-                <a16:creationId xmlns="" xmlns:a16="http://schemas.microsoft.com/office/drawing/2014/main" id="{4F38584F-66B2-464F-9BA7-6F9A856D602F}"/>
+                <a16:creationId xmlns:a16="http://schemas.microsoft.com/office/drawing/2014/main" xmlns="" id="{4F38584F-66B2-464F-9BA7-6F9A856D602F}"/>
               </a:ext>
             </a:extLst>
           </p:cNvPr>
@@ -7986,7 +7733,7 @@
           <p:cNvPr id="16" name="Rectangle 1">
             <a:extLst>
               <a:ext uri="{FF2B5EF4-FFF2-40B4-BE49-F238E27FC236}">
-                <a16:creationId xmlns="" xmlns:a16="http://schemas.microsoft.com/office/drawing/2014/main" id="{4F38584F-66B2-464F-9BA7-6F9A856D602F}"/>
+                <a16:creationId xmlns:a16="http://schemas.microsoft.com/office/drawing/2014/main" xmlns="" id="{4F38584F-66B2-464F-9BA7-6F9A856D602F}"/>
               </a:ext>
             </a:extLst>
           </p:cNvPr>
@@ -8107,7 +7854,7 @@
 </p:sld>
 </file>
 
-<file path=ppt/slides/slide6.xml><?xml version="1.0" encoding="utf-8"?>
+<file path=ppt/slides/slide5.xml><?xml version="1.0" encoding="utf-8"?>
 <p:sld xmlns:a="http://schemas.openxmlformats.org/drawingml/2006/main" xmlns:r="http://schemas.openxmlformats.org/officeDocument/2006/relationships" xmlns:p="http://schemas.openxmlformats.org/presentationml/2006/main">
   <p:cSld>
     <p:spTree>
@@ -8129,7 +7876,7 @@
           <p:cNvPr id="6" name="Table 9">
             <a:extLst>
               <a:ext uri="{FF2B5EF4-FFF2-40B4-BE49-F238E27FC236}">
-                <a16:creationId xmlns:a16="http://schemas.microsoft.com/office/drawing/2014/main" xmlns="" id="{A3C33157-FA5E-498D-B93C-73F8CAEE1A5D}"/>
+                <a16:creationId xmlns="" xmlns:a16="http://schemas.microsoft.com/office/drawing/2014/main" id="{A3C33157-FA5E-498D-B93C-73F8CAEE1A5D}"/>
               </a:ext>
             </a:extLst>
           </p:cNvPr>
@@ -8158,28 +7905,28 @@
                 <a:gridCol w="809065">
                   <a:extLst>
                     <a:ext uri="{9D8B030D-6E8A-4147-A177-3AD203B41FA5}">
-                      <a16:colId xmlns:a16="http://schemas.microsoft.com/office/drawing/2014/main" xmlns="" val="2514592082"/>
+                      <a16:colId xmlns="" xmlns:a16="http://schemas.microsoft.com/office/drawing/2014/main" val="2514592082"/>
                     </a:ext>
                   </a:extLst>
                 </a:gridCol>
                 <a:gridCol w="809065">
                   <a:extLst>
                     <a:ext uri="{9D8B030D-6E8A-4147-A177-3AD203B41FA5}">
-                      <a16:colId xmlns:a16="http://schemas.microsoft.com/office/drawing/2014/main" xmlns="" val="1972351707"/>
+                      <a16:colId xmlns="" xmlns:a16="http://schemas.microsoft.com/office/drawing/2014/main" val="1972351707"/>
                     </a:ext>
                   </a:extLst>
                 </a:gridCol>
                 <a:gridCol w="809065">
                   <a:extLst>
                     <a:ext uri="{9D8B030D-6E8A-4147-A177-3AD203B41FA5}">
-                      <a16:colId xmlns:a16="http://schemas.microsoft.com/office/drawing/2014/main" xmlns="" val="130078612"/>
+                      <a16:colId xmlns="" xmlns:a16="http://schemas.microsoft.com/office/drawing/2014/main" val="130078612"/>
                     </a:ext>
                   </a:extLst>
                 </a:gridCol>
                 <a:gridCol w="809065">
                   <a:extLst>
                     <a:ext uri="{9D8B030D-6E8A-4147-A177-3AD203B41FA5}">
-                      <a16:colId xmlns:a16="http://schemas.microsoft.com/office/drawing/2014/main" xmlns="" val="3594532491"/>
+                      <a16:colId xmlns="" xmlns:a16="http://schemas.microsoft.com/office/drawing/2014/main" val="3594532491"/>
                     </a:ext>
                   </a:extLst>
                 </a:gridCol>
@@ -8365,7 +8112,7 @@
                 </a:tc>
                 <a:extLst>
                   <a:ext uri="{0D108BD9-81ED-4DB2-BD59-A6C34878D82A}">
-                    <a16:rowId xmlns:a16="http://schemas.microsoft.com/office/drawing/2014/main" xmlns="" val="1648878484"/>
+                    <a16:rowId xmlns="" xmlns:a16="http://schemas.microsoft.com/office/drawing/2014/main" val="1648878484"/>
                   </a:ext>
                 </a:extLst>
               </a:tr>
@@ -8576,7 +8323,7 @@
                 </a:tc>
                 <a:extLst>
                   <a:ext uri="{0D108BD9-81ED-4DB2-BD59-A6C34878D82A}">
-                    <a16:rowId xmlns:a16="http://schemas.microsoft.com/office/drawing/2014/main" xmlns="" val="3110016024"/>
+                    <a16:rowId xmlns="" xmlns:a16="http://schemas.microsoft.com/office/drawing/2014/main" val="3110016024"/>
                   </a:ext>
                 </a:extLst>
               </a:tr>
@@ -8802,7 +8549,7 @@
                 </a:tc>
                 <a:extLst>
                   <a:ext uri="{0D108BD9-81ED-4DB2-BD59-A6C34878D82A}">
-                    <a16:rowId xmlns:a16="http://schemas.microsoft.com/office/drawing/2014/main" xmlns="" val="2530068117"/>
+                    <a16:rowId xmlns="" xmlns:a16="http://schemas.microsoft.com/office/drawing/2014/main" val="2530068117"/>
                   </a:ext>
                 </a:extLst>
               </a:tr>
@@ -9025,7 +8772,7 @@
                 </a:tc>
                 <a:extLst>
                   <a:ext uri="{0D108BD9-81ED-4DB2-BD59-A6C34878D82A}">
-                    <a16:rowId xmlns:a16="http://schemas.microsoft.com/office/drawing/2014/main" xmlns="" val="1712611614"/>
+                    <a16:rowId xmlns="" xmlns:a16="http://schemas.microsoft.com/office/drawing/2014/main" val="1712611614"/>
                   </a:ext>
                 </a:extLst>
               </a:tr>
@@ -9038,7 +8785,7 @@
           <p:cNvPr id="7" name="Rectangle 4">
             <a:extLst>
               <a:ext uri="{FF2B5EF4-FFF2-40B4-BE49-F238E27FC236}">
-                <a16:creationId xmlns="" xmlns:a16="http://schemas.microsoft.com/office/drawing/2014/main" id="{6B3D22E0-3304-47C3-A13D-F3314EEBFA56}"/>
+                <a16:creationId xmlns:a16="http://schemas.microsoft.com/office/drawing/2014/main" xmlns="" id="{6B3D22E0-3304-47C3-A13D-F3314EEBFA56}"/>
               </a:ext>
             </a:extLst>
           </p:cNvPr>
@@ -9122,7 +8869,7 @@
           <p:cNvPr id="9" name="Rectangle 7">
             <a:extLst>
               <a:ext uri="{FF2B5EF4-FFF2-40B4-BE49-F238E27FC236}">
-                <a16:creationId xmlns="" xmlns:a16="http://schemas.microsoft.com/office/drawing/2014/main" id="{9A0DF3A1-7C0C-4F2B-AC19-D85A14774D75}"/>
+                <a16:creationId xmlns:a16="http://schemas.microsoft.com/office/drawing/2014/main" xmlns="" id="{9A0DF3A1-7C0C-4F2B-AC19-D85A14774D75}"/>
               </a:ext>
             </a:extLst>
           </p:cNvPr>
@@ -9251,7 +8998,7 @@
           <p:cNvPr id="8" name="Rectangle 1">
             <a:extLst>
               <a:ext uri="{FF2B5EF4-FFF2-40B4-BE49-F238E27FC236}">
-                <a16:creationId xmlns="" xmlns:a16="http://schemas.microsoft.com/office/drawing/2014/main" id="{4F38584F-66B2-464F-9BA7-6F9A856D602F}"/>
+                <a16:creationId xmlns:a16="http://schemas.microsoft.com/office/drawing/2014/main" xmlns="" id="{4F38584F-66B2-464F-9BA7-6F9A856D602F}"/>
               </a:ext>
             </a:extLst>
           </p:cNvPr>
@@ -9431,7 +9178,7 @@
           <p:cNvPr id="14" name="Rectangle 1">
             <a:extLst>
               <a:ext uri="{FF2B5EF4-FFF2-40B4-BE49-F238E27FC236}">
-                <a16:creationId xmlns="" xmlns:a16="http://schemas.microsoft.com/office/drawing/2014/main" id="{4F38584F-66B2-464F-9BA7-6F9A856D602F}"/>
+                <a16:creationId xmlns:a16="http://schemas.microsoft.com/office/drawing/2014/main" xmlns="" id="{4F38584F-66B2-464F-9BA7-6F9A856D602F}"/>
               </a:ext>
             </a:extLst>
           </p:cNvPr>
@@ -9520,7 +9267,7 @@
           <p:cNvPr id="15" name="Rectangle 1">
             <a:extLst>
               <a:ext uri="{FF2B5EF4-FFF2-40B4-BE49-F238E27FC236}">
-                <a16:creationId xmlns="" xmlns:a16="http://schemas.microsoft.com/office/drawing/2014/main" id="{4F38584F-66B2-464F-9BA7-6F9A856D602F}"/>
+                <a16:creationId xmlns:a16="http://schemas.microsoft.com/office/drawing/2014/main" xmlns="" id="{4F38584F-66B2-464F-9BA7-6F9A856D602F}"/>
               </a:ext>
             </a:extLst>
           </p:cNvPr>
@@ -9609,7 +9356,7 @@
           <p:cNvPr id="16" name="Rectangle 1">
             <a:extLst>
               <a:ext uri="{FF2B5EF4-FFF2-40B4-BE49-F238E27FC236}">
-                <a16:creationId xmlns="" xmlns:a16="http://schemas.microsoft.com/office/drawing/2014/main" id="{4F38584F-66B2-464F-9BA7-6F9A856D602F}"/>
+                <a16:creationId xmlns:a16="http://schemas.microsoft.com/office/drawing/2014/main" xmlns="" id="{4F38584F-66B2-464F-9BA7-6F9A856D602F}"/>
               </a:ext>
             </a:extLst>
           </p:cNvPr>
@@ -9730,7 +9477,7 @@
 </p:sld>
 </file>
 
-<file path=ppt/slides/slide7.xml><?xml version="1.0" encoding="utf-8"?>
+<file path=ppt/slides/slide6.xml><?xml version="1.0" encoding="utf-8"?>
 <p:sld xmlns:a="http://schemas.openxmlformats.org/drawingml/2006/main" xmlns:r="http://schemas.openxmlformats.org/officeDocument/2006/relationships" xmlns:p="http://schemas.openxmlformats.org/presentationml/2006/main">
   <p:cSld>
     <p:spTree>
@@ -9752,7 +9499,7 @@
           <p:cNvPr id="6" name="Table 9">
             <a:extLst>
               <a:ext uri="{FF2B5EF4-FFF2-40B4-BE49-F238E27FC236}">
-                <a16:creationId xmlns:a16="http://schemas.microsoft.com/office/drawing/2014/main" xmlns="" id="{A3C33157-FA5E-498D-B93C-73F8CAEE1A5D}"/>
+                <a16:creationId xmlns="" xmlns:a16="http://schemas.microsoft.com/office/drawing/2014/main" id="{A3C33157-FA5E-498D-B93C-73F8CAEE1A5D}"/>
               </a:ext>
             </a:extLst>
           </p:cNvPr>
@@ -9782,28 +9529,28 @@
                 <a:gridCol w="805663">
                   <a:extLst>
                     <a:ext uri="{9D8B030D-6E8A-4147-A177-3AD203B41FA5}">
-                      <a16:colId xmlns:a16="http://schemas.microsoft.com/office/drawing/2014/main" xmlns="" val="2514592082"/>
+                      <a16:colId xmlns="" xmlns:a16="http://schemas.microsoft.com/office/drawing/2014/main" val="2514592082"/>
                     </a:ext>
                   </a:extLst>
                 </a:gridCol>
                 <a:gridCol w="805663">
                   <a:extLst>
                     <a:ext uri="{9D8B030D-6E8A-4147-A177-3AD203B41FA5}">
-                      <a16:colId xmlns:a16="http://schemas.microsoft.com/office/drawing/2014/main" xmlns="" val="1972351707"/>
+                      <a16:colId xmlns="" xmlns:a16="http://schemas.microsoft.com/office/drawing/2014/main" val="1972351707"/>
                     </a:ext>
                   </a:extLst>
                 </a:gridCol>
                 <a:gridCol w="805663">
                   <a:extLst>
                     <a:ext uri="{9D8B030D-6E8A-4147-A177-3AD203B41FA5}">
-                      <a16:colId xmlns:a16="http://schemas.microsoft.com/office/drawing/2014/main" xmlns="" val="130078612"/>
+                      <a16:colId xmlns="" xmlns:a16="http://schemas.microsoft.com/office/drawing/2014/main" val="130078612"/>
                     </a:ext>
                   </a:extLst>
                 </a:gridCol>
                 <a:gridCol w="805663">
                   <a:extLst>
                     <a:ext uri="{9D8B030D-6E8A-4147-A177-3AD203B41FA5}">
-                      <a16:colId xmlns:a16="http://schemas.microsoft.com/office/drawing/2014/main" xmlns="" val="3594532491"/>
+                      <a16:colId xmlns="" xmlns:a16="http://schemas.microsoft.com/office/drawing/2014/main" val="3594532491"/>
                     </a:ext>
                   </a:extLst>
                 </a:gridCol>
@@ -10035,7 +9782,7 @@
                 </a:tc>
                 <a:extLst>
                   <a:ext uri="{0D108BD9-81ED-4DB2-BD59-A6C34878D82A}">
-                    <a16:rowId xmlns:a16="http://schemas.microsoft.com/office/drawing/2014/main" xmlns="" val="1648878484"/>
+                    <a16:rowId xmlns="" xmlns:a16="http://schemas.microsoft.com/office/drawing/2014/main" val="1648878484"/>
                   </a:ext>
                 </a:extLst>
               </a:tr>
@@ -10300,7 +10047,7 @@
                 </a:tc>
                 <a:extLst>
                   <a:ext uri="{0D108BD9-81ED-4DB2-BD59-A6C34878D82A}">
-                    <a16:rowId xmlns:a16="http://schemas.microsoft.com/office/drawing/2014/main" xmlns="" val="3110016024"/>
+                    <a16:rowId xmlns="" xmlns:a16="http://schemas.microsoft.com/office/drawing/2014/main" val="3110016024"/>
                   </a:ext>
                 </a:extLst>
               </a:tr>
@@ -10591,7 +10338,7 @@
                 </a:tc>
                 <a:extLst>
                   <a:ext uri="{0D108BD9-81ED-4DB2-BD59-A6C34878D82A}">
-                    <a16:rowId xmlns:a16="http://schemas.microsoft.com/office/drawing/2014/main" xmlns="" val="2530068117"/>
+                    <a16:rowId xmlns="" xmlns:a16="http://schemas.microsoft.com/office/drawing/2014/main" val="2530068117"/>
                   </a:ext>
                 </a:extLst>
               </a:tr>
@@ -10874,7 +10621,7 @@
                 </a:tc>
                 <a:extLst>
                   <a:ext uri="{0D108BD9-81ED-4DB2-BD59-A6C34878D82A}">
-                    <a16:rowId xmlns:a16="http://schemas.microsoft.com/office/drawing/2014/main" xmlns="" val="1712611614"/>
+                    <a16:rowId xmlns="" xmlns:a16="http://schemas.microsoft.com/office/drawing/2014/main" val="1712611614"/>
                   </a:ext>
                 </a:extLst>
               </a:tr>
@@ -10887,7 +10634,7 @@
           <p:cNvPr id="7" name="Rectangle 4">
             <a:extLst>
               <a:ext uri="{FF2B5EF4-FFF2-40B4-BE49-F238E27FC236}">
-                <a16:creationId xmlns="" xmlns:a16="http://schemas.microsoft.com/office/drawing/2014/main" id="{6B3D22E0-3304-47C3-A13D-F3314EEBFA56}"/>
+                <a16:creationId xmlns:a16="http://schemas.microsoft.com/office/drawing/2014/main" xmlns="" id="{6B3D22E0-3304-47C3-A13D-F3314EEBFA56}"/>
               </a:ext>
             </a:extLst>
           </p:cNvPr>
@@ -10971,7 +10718,7 @@
           <p:cNvPr id="9" name="Rectangle 7">
             <a:extLst>
               <a:ext uri="{FF2B5EF4-FFF2-40B4-BE49-F238E27FC236}">
-                <a16:creationId xmlns="" xmlns:a16="http://schemas.microsoft.com/office/drawing/2014/main" id="{9A0DF3A1-7C0C-4F2B-AC19-D85A14774D75}"/>
+                <a16:creationId xmlns:a16="http://schemas.microsoft.com/office/drawing/2014/main" xmlns="" id="{9A0DF3A1-7C0C-4F2B-AC19-D85A14774D75}"/>
               </a:ext>
             </a:extLst>
           </p:cNvPr>
@@ -11100,7 +10847,7 @@
           <p:cNvPr id="8" name="Rectangle 1">
             <a:extLst>
               <a:ext uri="{FF2B5EF4-FFF2-40B4-BE49-F238E27FC236}">
-                <a16:creationId xmlns="" xmlns:a16="http://schemas.microsoft.com/office/drawing/2014/main" id="{4F38584F-66B2-464F-9BA7-6F9A856D602F}"/>
+                <a16:creationId xmlns:a16="http://schemas.microsoft.com/office/drawing/2014/main" xmlns="" id="{4F38584F-66B2-464F-9BA7-6F9A856D602F}"/>
               </a:ext>
             </a:extLst>
           </p:cNvPr>
@@ -11280,7 +11027,7 @@
           <p:cNvPr id="14" name="Rectangle 1">
             <a:extLst>
               <a:ext uri="{FF2B5EF4-FFF2-40B4-BE49-F238E27FC236}">
-                <a16:creationId xmlns="" xmlns:a16="http://schemas.microsoft.com/office/drawing/2014/main" id="{4F38584F-66B2-464F-9BA7-6F9A856D602F}"/>
+                <a16:creationId xmlns:a16="http://schemas.microsoft.com/office/drawing/2014/main" xmlns="" id="{4F38584F-66B2-464F-9BA7-6F9A856D602F}"/>
               </a:ext>
             </a:extLst>
           </p:cNvPr>
@@ -11369,7 +11116,7 @@
           <p:cNvPr id="15" name="Rectangle 1">
             <a:extLst>
               <a:ext uri="{FF2B5EF4-FFF2-40B4-BE49-F238E27FC236}">
-                <a16:creationId xmlns="" xmlns:a16="http://schemas.microsoft.com/office/drawing/2014/main" id="{4F38584F-66B2-464F-9BA7-6F9A856D602F}"/>
+                <a16:creationId xmlns:a16="http://schemas.microsoft.com/office/drawing/2014/main" xmlns="" id="{4F38584F-66B2-464F-9BA7-6F9A856D602F}"/>
               </a:ext>
             </a:extLst>
           </p:cNvPr>
@@ -11458,7 +11205,7 @@
           <p:cNvPr id="16" name="Rectangle 1">
             <a:extLst>
               <a:ext uri="{FF2B5EF4-FFF2-40B4-BE49-F238E27FC236}">
-                <a16:creationId xmlns="" xmlns:a16="http://schemas.microsoft.com/office/drawing/2014/main" id="{4F38584F-66B2-464F-9BA7-6F9A856D602F}"/>
+                <a16:creationId xmlns:a16="http://schemas.microsoft.com/office/drawing/2014/main" xmlns="" id="{4F38584F-66B2-464F-9BA7-6F9A856D602F}"/>
               </a:ext>
             </a:extLst>
           </p:cNvPr>
@@ -11579,7 +11326,7 @@
 </p:sld>
 </file>
 
-<file path=ppt/slides/slide8.xml><?xml version="1.0" encoding="utf-8"?>
+<file path=ppt/slides/slide7.xml><?xml version="1.0" encoding="utf-8"?>
 <p:sld xmlns:a="http://schemas.openxmlformats.org/drawingml/2006/main" xmlns:r="http://schemas.openxmlformats.org/officeDocument/2006/relationships" xmlns:p="http://schemas.openxmlformats.org/presentationml/2006/main">
   <p:cSld>
     <p:spTree>
@@ -11601,7 +11348,7 @@
           <p:cNvPr id="6" name="Table 9">
             <a:extLst>
               <a:ext uri="{FF2B5EF4-FFF2-40B4-BE49-F238E27FC236}">
-                <a16:creationId xmlns:a16="http://schemas.microsoft.com/office/drawing/2014/main" xmlns="" id="{A3C33157-FA5E-498D-B93C-73F8CAEE1A5D}"/>
+                <a16:creationId xmlns="" xmlns:a16="http://schemas.microsoft.com/office/drawing/2014/main" id="{A3C33157-FA5E-498D-B93C-73F8CAEE1A5D}"/>
               </a:ext>
             </a:extLst>
           </p:cNvPr>
@@ -11632,28 +11379,28 @@
                 <a:gridCol w="811933">
                   <a:extLst>
                     <a:ext uri="{9D8B030D-6E8A-4147-A177-3AD203B41FA5}">
-                      <a16:colId xmlns:a16="http://schemas.microsoft.com/office/drawing/2014/main" xmlns="" val="2514592082"/>
+                      <a16:colId xmlns="" xmlns:a16="http://schemas.microsoft.com/office/drawing/2014/main" val="2514592082"/>
                     </a:ext>
                   </a:extLst>
                 </a:gridCol>
                 <a:gridCol w="811933">
                   <a:extLst>
                     <a:ext uri="{9D8B030D-6E8A-4147-A177-3AD203B41FA5}">
-                      <a16:colId xmlns:a16="http://schemas.microsoft.com/office/drawing/2014/main" xmlns="" val="1972351707"/>
+                      <a16:colId xmlns="" xmlns:a16="http://schemas.microsoft.com/office/drawing/2014/main" val="1972351707"/>
                     </a:ext>
                   </a:extLst>
                 </a:gridCol>
                 <a:gridCol w="811933">
                   <a:extLst>
                     <a:ext uri="{9D8B030D-6E8A-4147-A177-3AD203B41FA5}">
-                      <a16:colId xmlns:a16="http://schemas.microsoft.com/office/drawing/2014/main" xmlns="" val="130078612"/>
+                      <a16:colId xmlns="" xmlns:a16="http://schemas.microsoft.com/office/drawing/2014/main" val="130078612"/>
                     </a:ext>
                   </a:extLst>
                 </a:gridCol>
                 <a:gridCol w="811933">
                   <a:extLst>
                     <a:ext uri="{9D8B030D-6E8A-4147-A177-3AD203B41FA5}">
-                      <a16:colId xmlns:a16="http://schemas.microsoft.com/office/drawing/2014/main" xmlns="" val="3594532491"/>
+                      <a16:colId xmlns="" xmlns:a16="http://schemas.microsoft.com/office/drawing/2014/main" val="3594532491"/>
                     </a:ext>
                   </a:extLst>
                 </a:gridCol>
@@ -11931,7 +11678,7 @@
                 </a:tc>
                 <a:extLst>
                   <a:ext uri="{0D108BD9-81ED-4DB2-BD59-A6C34878D82A}">
-                    <a16:rowId xmlns:a16="http://schemas.microsoft.com/office/drawing/2014/main" xmlns="" val="1648878484"/>
+                    <a16:rowId xmlns="" xmlns:a16="http://schemas.microsoft.com/office/drawing/2014/main" val="1648878484"/>
                   </a:ext>
                 </a:extLst>
               </a:tr>
@@ -12250,7 +11997,7 @@
                 </a:tc>
                 <a:extLst>
                   <a:ext uri="{0D108BD9-81ED-4DB2-BD59-A6C34878D82A}">
-                    <a16:rowId xmlns:a16="http://schemas.microsoft.com/office/drawing/2014/main" xmlns="" val="3110016024"/>
+                    <a16:rowId xmlns="" xmlns:a16="http://schemas.microsoft.com/office/drawing/2014/main" val="3110016024"/>
                   </a:ext>
                 </a:extLst>
               </a:tr>
@@ -12599,7 +12346,7 @@
                 </a:tc>
                 <a:extLst>
                   <a:ext uri="{0D108BD9-81ED-4DB2-BD59-A6C34878D82A}">
-                    <a16:rowId xmlns:a16="http://schemas.microsoft.com/office/drawing/2014/main" xmlns="" val="2530068117"/>
+                    <a16:rowId xmlns="" xmlns:a16="http://schemas.microsoft.com/office/drawing/2014/main" val="2530068117"/>
                   </a:ext>
                 </a:extLst>
               </a:tr>
@@ -12940,7 +12687,7 @@
                 </a:tc>
                 <a:extLst>
                   <a:ext uri="{0D108BD9-81ED-4DB2-BD59-A6C34878D82A}">
-                    <a16:rowId xmlns:a16="http://schemas.microsoft.com/office/drawing/2014/main" xmlns="" val="1712611614"/>
+                    <a16:rowId xmlns="" xmlns:a16="http://schemas.microsoft.com/office/drawing/2014/main" val="1712611614"/>
                   </a:ext>
                 </a:extLst>
               </a:tr>
@@ -12953,7 +12700,7 @@
           <p:cNvPr id="7" name="Rectangle 4">
             <a:extLst>
               <a:ext uri="{FF2B5EF4-FFF2-40B4-BE49-F238E27FC236}">
-                <a16:creationId xmlns="" xmlns:a16="http://schemas.microsoft.com/office/drawing/2014/main" id="{6B3D22E0-3304-47C3-A13D-F3314EEBFA56}"/>
+                <a16:creationId xmlns:a16="http://schemas.microsoft.com/office/drawing/2014/main" xmlns="" id="{6B3D22E0-3304-47C3-A13D-F3314EEBFA56}"/>
               </a:ext>
             </a:extLst>
           </p:cNvPr>
@@ -13037,7 +12784,7 @@
           <p:cNvPr id="9" name="Rectangle 7">
             <a:extLst>
               <a:ext uri="{FF2B5EF4-FFF2-40B4-BE49-F238E27FC236}">
-                <a16:creationId xmlns="" xmlns:a16="http://schemas.microsoft.com/office/drawing/2014/main" id="{9A0DF3A1-7C0C-4F2B-AC19-D85A14774D75}"/>
+                <a16:creationId xmlns:a16="http://schemas.microsoft.com/office/drawing/2014/main" xmlns="" id="{9A0DF3A1-7C0C-4F2B-AC19-D85A14774D75}"/>
               </a:ext>
             </a:extLst>
           </p:cNvPr>
@@ -13166,7 +12913,7 @@
           <p:cNvPr id="8" name="Rectangle 1">
             <a:extLst>
               <a:ext uri="{FF2B5EF4-FFF2-40B4-BE49-F238E27FC236}">
-                <a16:creationId xmlns="" xmlns:a16="http://schemas.microsoft.com/office/drawing/2014/main" id="{4F38584F-66B2-464F-9BA7-6F9A856D602F}"/>
+                <a16:creationId xmlns:a16="http://schemas.microsoft.com/office/drawing/2014/main" xmlns="" id="{4F38584F-66B2-464F-9BA7-6F9A856D602F}"/>
               </a:ext>
             </a:extLst>
           </p:cNvPr>
@@ -13346,7 +13093,7 @@
           <p:cNvPr id="14" name="Rectangle 1">
             <a:extLst>
               <a:ext uri="{FF2B5EF4-FFF2-40B4-BE49-F238E27FC236}">
-                <a16:creationId xmlns="" xmlns:a16="http://schemas.microsoft.com/office/drawing/2014/main" id="{4F38584F-66B2-464F-9BA7-6F9A856D602F}"/>
+                <a16:creationId xmlns:a16="http://schemas.microsoft.com/office/drawing/2014/main" xmlns="" id="{4F38584F-66B2-464F-9BA7-6F9A856D602F}"/>
               </a:ext>
             </a:extLst>
           </p:cNvPr>
@@ -13435,7 +13182,7 @@
           <p:cNvPr id="15" name="Rectangle 1">
             <a:extLst>
               <a:ext uri="{FF2B5EF4-FFF2-40B4-BE49-F238E27FC236}">
-                <a16:creationId xmlns="" xmlns:a16="http://schemas.microsoft.com/office/drawing/2014/main" id="{4F38584F-66B2-464F-9BA7-6F9A856D602F}"/>
+                <a16:creationId xmlns:a16="http://schemas.microsoft.com/office/drawing/2014/main" xmlns="" id="{4F38584F-66B2-464F-9BA7-6F9A856D602F}"/>
               </a:ext>
             </a:extLst>
           </p:cNvPr>
@@ -13524,7 +13271,7 @@
           <p:cNvPr id="16" name="Rectangle 1">
             <a:extLst>
               <a:ext uri="{FF2B5EF4-FFF2-40B4-BE49-F238E27FC236}">
-                <a16:creationId xmlns="" xmlns:a16="http://schemas.microsoft.com/office/drawing/2014/main" id="{4F38584F-66B2-464F-9BA7-6F9A856D602F}"/>
+                <a16:creationId xmlns:a16="http://schemas.microsoft.com/office/drawing/2014/main" xmlns="" id="{4F38584F-66B2-464F-9BA7-6F9A856D602F}"/>
               </a:ext>
             </a:extLst>
           </p:cNvPr>
@@ -13645,7 +13392,7 @@
 </p:sld>
 </file>
 
-<file path=ppt/slides/slide9.xml><?xml version="1.0" encoding="utf-8"?>
+<file path=ppt/slides/slide8.xml><?xml version="1.0" encoding="utf-8"?>
 <p:sld xmlns:a="http://schemas.openxmlformats.org/drawingml/2006/main" xmlns:r="http://schemas.openxmlformats.org/officeDocument/2006/relationships" xmlns:p="http://schemas.openxmlformats.org/presentationml/2006/main">
   <p:cSld>
     <p:spTree>
@@ -13727,7 +13474,7 @@
           <p:cNvPr id="14" name="Rectangle 13">
             <a:extLst>
               <a:ext uri="{FF2B5EF4-FFF2-40B4-BE49-F238E27FC236}">
-                <a16:creationId xmlns="" xmlns:a16="http://schemas.microsoft.com/office/drawing/2014/main" id="{52670CB7-6F96-4BDF-AF66-75B2EA21419B}"/>
+                <a16:creationId xmlns:a16="http://schemas.microsoft.com/office/drawing/2014/main" xmlns="" id="{52670CB7-6F96-4BDF-AF66-75B2EA21419B}"/>
               </a:ext>
             </a:extLst>
           </p:cNvPr>
